--- a/중간발표.pptx
+++ b/중간발표.pptx
@@ -241,7 +241,7 @@
           <a:p>
             <a:fld id="{0EB3CB33-51F8-49E0-A43B-E69C8C183857}" type="datetimeFigureOut">
               <a:rPr lang="ko-KR" altLang="en-US" smtClean="0"/>
-              <a:t>2019-05-25</a:t>
+              <a:t>2019-05-26</a:t>
             </a:fld>
             <a:endParaRPr lang="ko-KR" altLang="en-US"/>
           </a:p>
@@ -637,7 +637,7 @@
           <a:p>
             <a:fld id="{D693B358-FF3D-4F3C-9906-D4139C597470}" type="datetimeFigureOut">
               <a:rPr lang="ko-KR" altLang="en-US" smtClean="0"/>
-              <a:t>2019-05-25</a:t>
+              <a:t>2019-05-26</a:t>
             </a:fld>
             <a:endParaRPr lang="ko-KR" altLang="en-US"/>
           </a:p>
@@ -805,7 +805,7 @@
           <a:p>
             <a:fld id="{D693B358-FF3D-4F3C-9906-D4139C597470}" type="datetimeFigureOut">
               <a:rPr lang="ko-KR" altLang="en-US" smtClean="0"/>
-              <a:t>2019-05-25</a:t>
+              <a:t>2019-05-26</a:t>
             </a:fld>
             <a:endParaRPr lang="ko-KR" altLang="en-US"/>
           </a:p>
@@ -983,7 +983,7 @@
           <a:p>
             <a:fld id="{D693B358-FF3D-4F3C-9906-D4139C597470}" type="datetimeFigureOut">
               <a:rPr lang="ko-KR" altLang="en-US" smtClean="0"/>
-              <a:t>2019-05-25</a:t>
+              <a:t>2019-05-26</a:t>
             </a:fld>
             <a:endParaRPr lang="ko-KR" altLang="en-US"/>
           </a:p>
@@ -1151,7 +1151,7 @@
           <a:p>
             <a:fld id="{D693B358-FF3D-4F3C-9906-D4139C597470}" type="datetimeFigureOut">
               <a:rPr lang="ko-KR" altLang="en-US" smtClean="0"/>
-              <a:t>2019-05-25</a:t>
+              <a:t>2019-05-26</a:t>
             </a:fld>
             <a:endParaRPr lang="ko-KR" altLang="en-US"/>
           </a:p>
@@ -1396,7 +1396,7 @@
           <a:p>
             <a:fld id="{D693B358-FF3D-4F3C-9906-D4139C597470}" type="datetimeFigureOut">
               <a:rPr lang="ko-KR" altLang="en-US" smtClean="0"/>
-              <a:t>2019-05-25</a:t>
+              <a:t>2019-05-26</a:t>
             </a:fld>
             <a:endParaRPr lang="ko-KR" altLang="en-US"/>
           </a:p>
@@ -1625,7 +1625,7 @@
           <a:p>
             <a:fld id="{D693B358-FF3D-4F3C-9906-D4139C597470}" type="datetimeFigureOut">
               <a:rPr lang="ko-KR" altLang="en-US" smtClean="0"/>
-              <a:t>2019-05-25</a:t>
+              <a:t>2019-05-26</a:t>
             </a:fld>
             <a:endParaRPr lang="ko-KR" altLang="en-US"/>
           </a:p>
@@ -1989,7 +1989,7 @@
           <a:p>
             <a:fld id="{D693B358-FF3D-4F3C-9906-D4139C597470}" type="datetimeFigureOut">
               <a:rPr lang="ko-KR" altLang="en-US" smtClean="0"/>
-              <a:t>2019-05-25</a:t>
+              <a:t>2019-05-26</a:t>
             </a:fld>
             <a:endParaRPr lang="ko-KR" altLang="en-US"/>
           </a:p>
@@ -4123,7 +4123,7 @@
           <a:p>
             <a:fld id="{D693B358-FF3D-4F3C-9906-D4139C597470}" type="datetimeFigureOut">
               <a:rPr lang="ko-KR" altLang="en-US" smtClean="0"/>
-              <a:t>2019-05-25</a:t>
+              <a:t>2019-05-26</a:t>
             </a:fld>
             <a:endParaRPr lang="ko-KR" altLang="en-US"/>
           </a:p>
@@ -4334,7 +4334,7 @@
           <a:p>
             <a:fld id="{D693B358-FF3D-4F3C-9906-D4139C597470}" type="datetimeFigureOut">
               <a:rPr lang="ko-KR" altLang="en-US" smtClean="0"/>
-              <a:t>2019-05-25</a:t>
+              <a:t>2019-05-26</a:t>
             </a:fld>
             <a:endParaRPr lang="ko-KR" altLang="en-US"/>
           </a:p>
@@ -7537,7 +7537,7 @@
                 <a:latin typeface="한컴 고딕" panose="02000500000000000000" pitchFamily="2" charset="-127"/>
                 <a:ea typeface="한컴 고딕" panose="02000500000000000000" pitchFamily="2" charset="-127"/>
               </a:rPr>
-              <a:t>주변 관광 정보  </a:t>
+              <a:t>지도 연동  </a:t>
             </a:r>
             <a:r>
               <a:rPr lang="en-US" altLang="ko-KR" sz="3200" b="1" spc="-300" dirty="0">
@@ -9294,7 +9294,7 @@
                   <a:schemeClr val="bg1"/>
                 </a:solidFill>
               </a:rPr>
-              <a:t>주변 관광지 </a:t>
+              <a:t>지도 연동</a:t>
             </a:r>
             <a:endParaRPr lang="en-US" altLang="ko-KR" dirty="0">
               <a:solidFill>

--- a/중간발표.pptx
+++ b/중간발표.pptx
@@ -5,13 +5,14 @@
     <p:sldMasterId id="2147483648" r:id="rId1"/>
   </p:sldMasterIdLst>
   <p:notesMasterIdLst>
-    <p:notesMasterId r:id="rId6"/>
+    <p:notesMasterId r:id="rId7"/>
   </p:notesMasterIdLst>
   <p:sldIdLst>
     <p:sldId id="256" r:id="rId2"/>
     <p:sldId id="266" r:id="rId3"/>
     <p:sldId id="271" r:id="rId4"/>
     <p:sldId id="269" r:id="rId5"/>
+    <p:sldId id="272" r:id="rId6"/>
   </p:sldIdLst>
   <p:sldSz cx="12192000" cy="6858000"/>
   <p:notesSz cx="6858000" cy="9144000"/>
@@ -241,7 +242,7 @@
           <a:p>
             <a:fld id="{0EB3CB33-51F8-49E0-A43B-E69C8C183857}" type="datetimeFigureOut">
               <a:rPr lang="ko-KR" altLang="en-US" smtClean="0"/>
-              <a:t>2019-05-26</a:t>
+              <a:t>2019-06-12</a:t>
             </a:fld>
             <a:endParaRPr lang="ko-KR" altLang="en-US"/>
           </a:p>
@@ -637,7 +638,7 @@
           <a:p>
             <a:fld id="{D693B358-FF3D-4F3C-9906-D4139C597470}" type="datetimeFigureOut">
               <a:rPr lang="ko-KR" altLang="en-US" smtClean="0"/>
-              <a:t>2019-05-26</a:t>
+              <a:t>2019-06-12</a:t>
             </a:fld>
             <a:endParaRPr lang="ko-KR" altLang="en-US"/>
           </a:p>
@@ -805,7 +806,7 @@
           <a:p>
             <a:fld id="{D693B358-FF3D-4F3C-9906-D4139C597470}" type="datetimeFigureOut">
               <a:rPr lang="ko-KR" altLang="en-US" smtClean="0"/>
-              <a:t>2019-05-26</a:t>
+              <a:t>2019-06-12</a:t>
             </a:fld>
             <a:endParaRPr lang="ko-KR" altLang="en-US"/>
           </a:p>
@@ -983,7 +984,7 @@
           <a:p>
             <a:fld id="{D693B358-FF3D-4F3C-9906-D4139C597470}" type="datetimeFigureOut">
               <a:rPr lang="ko-KR" altLang="en-US" smtClean="0"/>
-              <a:t>2019-05-26</a:t>
+              <a:t>2019-06-12</a:t>
             </a:fld>
             <a:endParaRPr lang="ko-KR" altLang="en-US"/>
           </a:p>
@@ -1151,7 +1152,7 @@
           <a:p>
             <a:fld id="{D693B358-FF3D-4F3C-9906-D4139C597470}" type="datetimeFigureOut">
               <a:rPr lang="ko-KR" altLang="en-US" smtClean="0"/>
-              <a:t>2019-05-26</a:t>
+              <a:t>2019-06-12</a:t>
             </a:fld>
             <a:endParaRPr lang="ko-KR" altLang="en-US"/>
           </a:p>
@@ -1396,7 +1397,7 @@
           <a:p>
             <a:fld id="{D693B358-FF3D-4F3C-9906-D4139C597470}" type="datetimeFigureOut">
               <a:rPr lang="ko-KR" altLang="en-US" smtClean="0"/>
-              <a:t>2019-05-26</a:t>
+              <a:t>2019-06-12</a:t>
             </a:fld>
             <a:endParaRPr lang="ko-KR" altLang="en-US"/>
           </a:p>
@@ -1625,7 +1626,7 @@
           <a:p>
             <a:fld id="{D693B358-FF3D-4F3C-9906-D4139C597470}" type="datetimeFigureOut">
               <a:rPr lang="ko-KR" altLang="en-US" smtClean="0"/>
-              <a:t>2019-05-26</a:t>
+              <a:t>2019-06-12</a:t>
             </a:fld>
             <a:endParaRPr lang="ko-KR" altLang="en-US"/>
           </a:p>
@@ -1989,7 +1990,7 @@
           <a:p>
             <a:fld id="{D693B358-FF3D-4F3C-9906-D4139C597470}" type="datetimeFigureOut">
               <a:rPr lang="ko-KR" altLang="en-US" smtClean="0"/>
-              <a:t>2019-05-26</a:t>
+              <a:t>2019-06-12</a:t>
             </a:fld>
             <a:endParaRPr lang="ko-KR" altLang="en-US"/>
           </a:p>
@@ -4123,7 +4124,7 @@
           <a:p>
             <a:fld id="{D693B358-FF3D-4F3C-9906-D4139C597470}" type="datetimeFigureOut">
               <a:rPr lang="ko-KR" altLang="en-US" smtClean="0"/>
-              <a:t>2019-05-26</a:t>
+              <a:t>2019-06-12</a:t>
             </a:fld>
             <a:endParaRPr lang="ko-KR" altLang="en-US"/>
           </a:p>
@@ -4334,7 +4335,7 @@
           <a:p>
             <a:fld id="{D693B358-FF3D-4F3C-9906-D4139C597470}" type="datetimeFigureOut">
               <a:rPr lang="ko-KR" altLang="en-US" smtClean="0"/>
-              <a:t>2019-05-26</a:t>
+              <a:t>2019-06-12</a:t>
             </a:fld>
             <a:endParaRPr lang="ko-KR" altLang="en-US"/>
           </a:p>
@@ -6747,7 +6748,7 @@
         <p:spPr>
           <a:xfrm>
             <a:off x="296423" y="247802"/>
-            <a:ext cx="1296381" cy="584775"/>
+            <a:ext cx="982128" cy="584775"/>
           </a:xfrm>
           <a:prstGeom prst="rect">
             <a:avLst/>
@@ -6775,7 +6776,7 @@
                 </a:solidFill>
                 <a:latin typeface="Orator Std" panose="020D0509020203030204" pitchFamily="49" charset="0"/>
               </a:rPr>
-              <a:t>Progress</a:t>
+              <a:t>Result</a:t>
             </a:r>
             <a:endParaRPr lang="ko-KR" altLang="en-US" sz="3200" spc="-300" dirty="0">
               <a:ln>
@@ -6876,7 +6877,7 @@
                 <a:latin typeface="한컴 고딕" panose="02000500000000000000" pitchFamily="2" charset="-127"/>
                 <a:ea typeface="한컴 고딕" panose="02000500000000000000" pitchFamily="2" charset="-127"/>
               </a:rPr>
-              <a:t>진행 상황</a:t>
+              <a:t>최종 구현 내용</a:t>
             </a:r>
             <a:endParaRPr lang="en-US" altLang="ko-KR" sz="4400" b="1" spc="-300" dirty="0">
               <a:ln>
@@ -6947,8 +6948,42 @@
                 <a:latin typeface="한컴 고딕" panose="02000500000000000000" pitchFamily="2" charset="-127"/>
                 <a:ea typeface="한컴 고딕" panose="02000500000000000000" pitchFamily="2" charset="-127"/>
               </a:rPr>
-              <a:t>산 이름만 입력해도 산의 상세 정보 확인 가능    </a:t>
-            </a:r>
+              <a:t>타이틀 화면 애니메이션</a:t>
+            </a:r>
+            <a:endParaRPr lang="en-US" altLang="ko-KR" sz="3200" b="1" spc="-300" dirty="0">
+              <a:ln>
+                <a:solidFill>
+                  <a:schemeClr val="accent1">
+                    <a:shade val="50000"/>
+                    <a:alpha val="0"/>
+                  </a:schemeClr>
+                </a:solidFill>
+              </a:ln>
+              <a:solidFill>
+                <a:schemeClr val="bg1"/>
+              </a:solidFill>
+              <a:latin typeface="한컴 고딕" panose="02000500000000000000" pitchFamily="2" charset="-127"/>
+              <a:ea typeface="한컴 고딕" panose="02000500000000000000" pitchFamily="2" charset="-127"/>
+            </a:endParaRPr>
+          </a:p>
+          <a:p>
+            <a:endParaRPr lang="en-US" altLang="ko-KR" sz="1400" b="1" spc="-300" dirty="0">
+              <a:ln>
+                <a:solidFill>
+                  <a:schemeClr val="accent1">
+                    <a:shade val="50000"/>
+                    <a:alpha val="0"/>
+                  </a:schemeClr>
+                </a:solidFill>
+              </a:ln>
+              <a:solidFill>
+                <a:schemeClr val="bg1"/>
+              </a:solidFill>
+              <a:latin typeface="한컴 고딕" panose="02000500000000000000" pitchFamily="2" charset="-127"/>
+              <a:ea typeface="한컴 고딕" panose="02000500000000000000" pitchFamily="2" charset="-127"/>
+            </a:endParaRPr>
+          </a:p>
+          <a:p>
             <a:r>
               <a:rPr lang="en-US" altLang="ko-KR" sz="3200" b="1" spc="-300" dirty="0">
                 <a:ln>
@@ -6965,7 +7000,7 @@
                 <a:latin typeface="한컴 고딕" panose="02000500000000000000" pitchFamily="2" charset="-127"/>
                 <a:ea typeface="한컴 고딕" panose="02000500000000000000" pitchFamily="2" charset="-127"/>
               </a:rPr>
-              <a:t>-&gt; </a:t>
+              <a:t>    - </a:t>
             </a:r>
             <a:r>
               <a:rPr lang="ko-KR" altLang="en-US" sz="3200" b="1" spc="-300" dirty="0">
@@ -6983,7 +7018,7 @@
                 <a:latin typeface="한컴 고딕" panose="02000500000000000000" pitchFamily="2" charset="-127"/>
                 <a:ea typeface="한컴 고딕" panose="02000500000000000000" pitchFamily="2" charset="-127"/>
               </a:rPr>
-              <a:t>   ●</a:t>
+              <a:t>산의 상세 정보 텍스트 출력</a:t>
             </a:r>
             <a:endParaRPr lang="en-US" altLang="ko-KR" sz="3200" b="1" spc="-300" dirty="0">
               <a:ln>
@@ -7035,7 +7070,7 @@
                 <a:latin typeface="한컴 고딕" panose="02000500000000000000" pitchFamily="2" charset="-127"/>
                 <a:ea typeface="한컴 고딕" panose="02000500000000000000" pitchFamily="2" charset="-127"/>
               </a:rPr>
-              <a:t>    - tkinter GUI </a:t>
+              <a:t>    - </a:t>
             </a:r>
             <a:r>
               <a:rPr lang="ko-KR" altLang="en-US" sz="3200" b="1" spc="-300" dirty="0">
@@ -7053,7 +7088,7 @@
                 <a:latin typeface="한컴 고딕" panose="02000500000000000000" pitchFamily="2" charset="-127"/>
                 <a:ea typeface="한컴 고딕" panose="02000500000000000000" pitchFamily="2" charset="-127"/>
               </a:rPr>
-              <a:t>구현  </a:t>
+              <a:t>이메일</a:t>
             </a:r>
             <a:r>
               <a:rPr lang="en-US" altLang="ko-KR" sz="3200" b="1" spc="-300" dirty="0">
@@ -7071,7 +7106,7 @@
                 <a:latin typeface="한컴 고딕" panose="02000500000000000000" pitchFamily="2" charset="-127"/>
                 <a:ea typeface="한컴 고딕" panose="02000500000000000000" pitchFamily="2" charset="-127"/>
               </a:rPr>
-              <a:t>-&gt; </a:t>
+              <a:t> </a:t>
             </a:r>
             <a:r>
               <a:rPr lang="ko-KR" altLang="en-US" sz="3200" b="1" spc="-300" dirty="0">
@@ -7089,42 +7124,8 @@
                 <a:latin typeface="한컴 고딕" panose="02000500000000000000" pitchFamily="2" charset="-127"/>
                 <a:ea typeface="한컴 고딕" panose="02000500000000000000" pitchFamily="2" charset="-127"/>
               </a:rPr>
-              <a:t>   ●</a:t>
-            </a:r>
-            <a:endParaRPr lang="en-US" altLang="ko-KR" sz="3200" b="1" spc="-300" dirty="0">
-              <a:ln>
-                <a:solidFill>
-                  <a:schemeClr val="accent1">
-                    <a:shade val="50000"/>
-                    <a:alpha val="0"/>
-                  </a:schemeClr>
-                </a:solidFill>
-              </a:ln>
-              <a:solidFill>
-                <a:schemeClr val="bg1"/>
-              </a:solidFill>
-              <a:latin typeface="한컴 고딕" panose="02000500000000000000" pitchFamily="2" charset="-127"/>
-              <a:ea typeface="한컴 고딕" panose="02000500000000000000" pitchFamily="2" charset="-127"/>
-            </a:endParaRPr>
-          </a:p>
-          <a:p>
-            <a:endParaRPr lang="en-US" altLang="ko-KR" sz="1400" b="1" spc="-300" dirty="0">
-              <a:ln>
-                <a:solidFill>
-                  <a:schemeClr val="accent1">
-                    <a:shade val="50000"/>
-                    <a:alpha val="0"/>
-                  </a:schemeClr>
-                </a:solidFill>
-              </a:ln>
-              <a:solidFill>
-                <a:schemeClr val="bg1"/>
-              </a:solidFill>
-              <a:latin typeface="한컴 고딕" panose="02000500000000000000" pitchFamily="2" charset="-127"/>
-              <a:ea typeface="한컴 고딕" panose="02000500000000000000" pitchFamily="2" charset="-127"/>
-            </a:endParaRPr>
-          </a:p>
-          <a:p>
+              <a:t>전송</a:t>
+            </a:r>
             <a:r>
               <a:rPr lang="en-US" altLang="ko-KR" sz="3200" b="1" spc="-300" dirty="0">
                 <a:ln>
@@ -7141,7 +7142,7 @@
                 <a:latin typeface="한컴 고딕" panose="02000500000000000000" pitchFamily="2" charset="-127"/>
                 <a:ea typeface="한컴 고딕" panose="02000500000000000000" pitchFamily="2" charset="-127"/>
               </a:rPr>
-              <a:t>    - </a:t>
+              <a:t> </a:t>
             </a:r>
             <a:r>
               <a:rPr lang="ko-KR" altLang="en-US" sz="3200" b="1" spc="-300" dirty="0">
@@ -7159,8 +7160,42 @@
                 <a:latin typeface="한컴 고딕" panose="02000500000000000000" pitchFamily="2" charset="-127"/>
                 <a:ea typeface="한컴 고딕" panose="02000500000000000000" pitchFamily="2" charset="-127"/>
               </a:rPr>
-              <a:t>이메일 연동     </a:t>
-            </a:r>
+              <a:t>구현</a:t>
+            </a:r>
+            <a:endParaRPr lang="en-US" altLang="ko-KR" sz="3200" b="1" spc="-300" dirty="0">
+              <a:ln>
+                <a:solidFill>
+                  <a:schemeClr val="accent1">
+                    <a:shade val="50000"/>
+                    <a:alpha val="0"/>
+                  </a:schemeClr>
+                </a:solidFill>
+              </a:ln>
+              <a:solidFill>
+                <a:schemeClr val="bg1"/>
+              </a:solidFill>
+              <a:latin typeface="한컴 고딕" panose="02000500000000000000" pitchFamily="2" charset="-127"/>
+              <a:ea typeface="한컴 고딕" panose="02000500000000000000" pitchFamily="2" charset="-127"/>
+            </a:endParaRPr>
+          </a:p>
+          <a:p>
+            <a:endParaRPr lang="en-US" altLang="ko-KR" sz="1400" b="1" spc="-300" dirty="0">
+              <a:ln>
+                <a:solidFill>
+                  <a:schemeClr val="accent1">
+                    <a:shade val="50000"/>
+                    <a:alpha val="0"/>
+                  </a:schemeClr>
+                </a:solidFill>
+              </a:ln>
+              <a:solidFill>
+                <a:schemeClr val="bg1"/>
+              </a:solidFill>
+              <a:latin typeface="한컴 고딕" panose="02000500000000000000" pitchFamily="2" charset="-127"/>
+              <a:ea typeface="한컴 고딕" panose="02000500000000000000" pitchFamily="2" charset="-127"/>
+            </a:endParaRPr>
+          </a:p>
+          <a:p>
             <a:r>
               <a:rPr lang="en-US" altLang="ko-KR" sz="3200" b="1" spc="-300" dirty="0">
                 <a:ln>
@@ -7177,7 +7212,7 @@
                 <a:latin typeface="한컴 고딕" panose="02000500000000000000" pitchFamily="2" charset="-127"/>
                 <a:ea typeface="한컴 고딕" panose="02000500000000000000" pitchFamily="2" charset="-127"/>
               </a:rPr>
-              <a:t>-&gt; </a:t>
+              <a:t>    - </a:t>
             </a:r>
             <a:r>
               <a:rPr lang="ko-KR" altLang="en-US" sz="3200" b="1" spc="-300" dirty="0">
@@ -7195,42 +7230,8 @@
                 <a:latin typeface="한컴 고딕" panose="02000500000000000000" pitchFamily="2" charset="-127"/>
                 <a:ea typeface="한컴 고딕" panose="02000500000000000000" pitchFamily="2" charset="-127"/>
               </a:rPr>
-              <a:t>   ▲</a:t>
-            </a:r>
-            <a:endParaRPr lang="en-US" altLang="ko-KR" sz="3200" b="1" spc="-300" dirty="0">
-              <a:ln>
-                <a:solidFill>
-                  <a:schemeClr val="accent1">
-                    <a:shade val="50000"/>
-                    <a:alpha val="0"/>
-                  </a:schemeClr>
-                </a:solidFill>
-              </a:ln>
-              <a:solidFill>
-                <a:schemeClr val="bg1"/>
-              </a:solidFill>
-              <a:latin typeface="한컴 고딕" panose="02000500000000000000" pitchFamily="2" charset="-127"/>
-              <a:ea typeface="한컴 고딕" panose="02000500000000000000" pitchFamily="2" charset="-127"/>
-            </a:endParaRPr>
-          </a:p>
-          <a:p>
-            <a:endParaRPr lang="en-US" altLang="ko-KR" sz="1400" b="1" spc="-300" dirty="0">
-              <a:ln>
-                <a:solidFill>
-                  <a:schemeClr val="accent1">
-                    <a:shade val="50000"/>
-                    <a:alpha val="0"/>
-                  </a:schemeClr>
-                </a:solidFill>
-              </a:ln>
-              <a:solidFill>
-                <a:schemeClr val="bg1"/>
-              </a:solidFill>
-              <a:latin typeface="한컴 고딕" panose="02000500000000000000" pitchFamily="2" charset="-127"/>
-              <a:ea typeface="한컴 고딕" panose="02000500000000000000" pitchFamily="2" charset="-127"/>
-            </a:endParaRPr>
-          </a:p>
-          <a:p>
+              <a:t>지도 연동</a:t>
+            </a:r>
             <a:r>
               <a:rPr lang="en-US" altLang="ko-KR" sz="3200" b="1" spc="-300" dirty="0">
                 <a:ln>
@@ -7247,10 +7248,29 @@
                 <a:latin typeface="한컴 고딕" panose="02000500000000000000" pitchFamily="2" charset="-127"/>
                 <a:ea typeface="한컴 고딕" panose="02000500000000000000" pitchFamily="2" charset="-127"/>
               </a:rPr>
-              <a:t>    - </a:t>
-            </a:r>
-            <a:r>
-              <a:rPr lang="ko-KR" altLang="en-US" sz="3200" b="1" spc="-300" dirty="0" err="1">
+              <a:t>(Folium &amp; Google Map)</a:t>
+            </a:r>
+          </a:p>
+          <a:p>
+            <a:endParaRPr lang="en-US" altLang="ko-KR" sz="1400" b="1" spc="-300" dirty="0">
+              <a:ln>
+                <a:solidFill>
+                  <a:schemeClr val="accent1">
+                    <a:shade val="50000"/>
+                    <a:alpha val="0"/>
+                  </a:schemeClr>
+                </a:solidFill>
+              </a:ln>
+              <a:solidFill>
+                <a:schemeClr val="bg1"/>
+              </a:solidFill>
+              <a:latin typeface="한컴 고딕" panose="02000500000000000000" pitchFamily="2" charset="-127"/>
+              <a:ea typeface="한컴 고딕" panose="02000500000000000000" pitchFamily="2" charset="-127"/>
+            </a:endParaRPr>
+          </a:p>
+          <a:p>
+            <a:r>
+              <a:rPr lang="en-US" altLang="ko-KR" sz="3200" b="1" spc="-300" dirty="0">
                 <a:ln>
                   <a:solidFill>
                     <a:schemeClr val="accent1">
@@ -7265,7 +7285,7 @@
                 <a:latin typeface="한컴 고딕" panose="02000500000000000000" pitchFamily="2" charset="-127"/>
                 <a:ea typeface="한컴 고딕" panose="02000500000000000000" pitchFamily="2" charset="-127"/>
               </a:rPr>
-              <a:t>텔레그램</a:t>
+              <a:t>    - 100</a:t>
             </a:r>
             <a:r>
               <a:rPr lang="ko-KR" altLang="en-US" sz="3200" b="1" spc="-300" dirty="0">
@@ -7283,8 +7303,42 @@
                 <a:latin typeface="한컴 고딕" panose="02000500000000000000" pitchFamily="2" charset="-127"/>
                 <a:ea typeface="한컴 고딕" panose="02000500000000000000" pitchFamily="2" charset="-127"/>
               </a:rPr>
-              <a:t> 봇   </a:t>
-            </a:r>
+              <a:t>대 명산 중 추려낸 산 높이 그래프 구현</a:t>
+            </a:r>
+            <a:endParaRPr lang="en-US" altLang="ko-KR" sz="3200" b="1" spc="-300" dirty="0">
+              <a:ln>
+                <a:solidFill>
+                  <a:schemeClr val="accent1">
+                    <a:shade val="50000"/>
+                    <a:alpha val="0"/>
+                  </a:schemeClr>
+                </a:solidFill>
+              </a:ln>
+              <a:solidFill>
+                <a:schemeClr val="bg1"/>
+              </a:solidFill>
+              <a:latin typeface="한컴 고딕" panose="02000500000000000000" pitchFamily="2" charset="-127"/>
+              <a:ea typeface="한컴 고딕" panose="02000500000000000000" pitchFamily="2" charset="-127"/>
+            </a:endParaRPr>
+          </a:p>
+          <a:p>
+            <a:endParaRPr lang="en-US" altLang="ko-KR" sz="1400" b="1" spc="-300" dirty="0">
+              <a:ln>
+                <a:solidFill>
+                  <a:schemeClr val="accent1">
+                    <a:shade val="50000"/>
+                    <a:alpha val="0"/>
+                  </a:schemeClr>
+                </a:solidFill>
+              </a:ln>
+              <a:solidFill>
+                <a:schemeClr val="bg1"/>
+              </a:solidFill>
+              <a:latin typeface="한컴 고딕" panose="02000500000000000000" pitchFamily="2" charset="-127"/>
+              <a:ea typeface="한컴 고딕" panose="02000500000000000000" pitchFamily="2" charset="-127"/>
+            </a:endParaRPr>
+          </a:p>
+          <a:p>
             <a:r>
               <a:rPr lang="en-US" altLang="ko-KR" sz="3200" b="1" spc="-300" dirty="0">
                 <a:ln>
@@ -7301,7 +7355,7 @@
                 <a:latin typeface="한컴 고딕" panose="02000500000000000000" pitchFamily="2" charset="-127"/>
                 <a:ea typeface="한컴 고딕" panose="02000500000000000000" pitchFamily="2" charset="-127"/>
               </a:rPr>
-              <a:t>-&gt; </a:t>
+              <a:t>    - </a:t>
             </a:r>
             <a:r>
               <a:rPr lang="ko-KR" altLang="en-US" sz="3200" b="1" spc="-300" dirty="0">
@@ -7319,7 +7373,7 @@
                 <a:latin typeface="한컴 고딕" panose="02000500000000000000" pitchFamily="2" charset="-127"/>
                 <a:ea typeface="한컴 고딕" panose="02000500000000000000" pitchFamily="2" charset="-127"/>
               </a:rPr>
-              <a:t>  </a:t>
+              <a:t>즐겨찾기 기능</a:t>
             </a:r>
             <a:r>
               <a:rPr lang="en-US" altLang="ko-KR" sz="3200" b="1" spc="-300" dirty="0">
@@ -7337,44 +7391,7 @@
                 <a:latin typeface="한컴 고딕" panose="02000500000000000000" pitchFamily="2" charset="-127"/>
                 <a:ea typeface="한컴 고딕" panose="02000500000000000000" pitchFamily="2" charset="-127"/>
               </a:rPr>
-              <a:t>X</a:t>
-            </a:r>
-          </a:p>
-          <a:p>
-            <a:endParaRPr lang="en-US" altLang="ko-KR" sz="1400" b="1" spc="-300" dirty="0">
-              <a:ln>
-                <a:solidFill>
-                  <a:schemeClr val="accent1">
-                    <a:shade val="50000"/>
-                    <a:alpha val="0"/>
-                  </a:schemeClr>
-                </a:solidFill>
-              </a:ln>
-              <a:solidFill>
-                <a:schemeClr val="bg1"/>
-              </a:solidFill>
-              <a:latin typeface="한컴 고딕" panose="02000500000000000000" pitchFamily="2" charset="-127"/>
-              <a:ea typeface="한컴 고딕" panose="02000500000000000000" pitchFamily="2" charset="-127"/>
-            </a:endParaRPr>
-          </a:p>
-          <a:p>
-            <a:r>
-              <a:rPr lang="en-US" altLang="ko-KR" sz="3200" b="1" spc="-300" dirty="0">
-                <a:ln>
-                  <a:solidFill>
-                    <a:schemeClr val="accent1">
-                      <a:shade val="50000"/>
-                      <a:alpha val="0"/>
-                    </a:schemeClr>
-                  </a:solidFill>
-                </a:ln>
-                <a:solidFill>
-                  <a:schemeClr val="bg1"/>
-                </a:solidFill>
-                <a:latin typeface="한컴 고딕" panose="02000500000000000000" pitchFamily="2" charset="-127"/>
-                <a:ea typeface="한컴 고딕" panose="02000500000000000000" pitchFamily="2" charset="-127"/>
-              </a:rPr>
-              <a:t>    - </a:t>
+              <a:t>, </a:t>
             </a:r>
             <a:r>
               <a:rPr lang="ko-KR" altLang="en-US" sz="3200" b="1" spc="-300" dirty="0">
@@ -7392,101 +7409,9 @@
                 <a:latin typeface="한컴 고딕" panose="02000500000000000000" pitchFamily="2" charset="-127"/>
                 <a:ea typeface="한컴 고딕" panose="02000500000000000000" pitchFamily="2" charset="-127"/>
               </a:rPr>
-              <a:t>추천 </a:t>
-            </a:r>
-            <a:r>
-              <a:rPr lang="ko-KR" altLang="en-US" sz="3200" b="1" spc="-300" dirty="0" err="1">
-                <a:ln>
-                  <a:solidFill>
-                    <a:schemeClr val="accent1">
-                      <a:shade val="50000"/>
-                      <a:alpha val="0"/>
-                    </a:schemeClr>
-                  </a:solidFill>
-                </a:ln>
-                <a:solidFill>
-                  <a:schemeClr val="bg1"/>
-                </a:solidFill>
-                <a:latin typeface="한컴 고딕" panose="02000500000000000000" pitchFamily="2" charset="-127"/>
-                <a:ea typeface="한컴 고딕" panose="02000500000000000000" pitchFamily="2" charset="-127"/>
-              </a:rPr>
-              <a:t>산행길</a:t>
-            </a:r>
-            <a:r>
-              <a:rPr lang="ko-KR" altLang="en-US" sz="3200" b="1" spc="-300" dirty="0">
-                <a:ln>
-                  <a:solidFill>
-                    <a:schemeClr val="accent1">
-                      <a:shade val="50000"/>
-                      <a:alpha val="0"/>
-                    </a:schemeClr>
-                  </a:solidFill>
-                </a:ln>
-                <a:solidFill>
-                  <a:schemeClr val="bg1"/>
-                </a:solidFill>
-                <a:latin typeface="한컴 고딕" panose="02000500000000000000" pitchFamily="2" charset="-127"/>
-                <a:ea typeface="한컴 고딕" panose="02000500000000000000" pitchFamily="2" charset="-127"/>
-              </a:rPr>
-              <a:t> 기능    </a:t>
-            </a:r>
-            <a:r>
-              <a:rPr lang="en-US" altLang="ko-KR" sz="3200" b="1" spc="-300" dirty="0">
-                <a:ln>
-                  <a:solidFill>
-                    <a:schemeClr val="accent1">
-                      <a:shade val="50000"/>
-                      <a:alpha val="0"/>
-                    </a:schemeClr>
-                  </a:solidFill>
-                </a:ln>
-                <a:solidFill>
-                  <a:schemeClr val="bg1"/>
-                </a:solidFill>
-                <a:latin typeface="한컴 고딕" panose="02000500000000000000" pitchFamily="2" charset="-127"/>
-                <a:ea typeface="한컴 고딕" panose="02000500000000000000" pitchFamily="2" charset="-127"/>
-              </a:rPr>
-              <a:t>-&gt; </a:t>
-            </a:r>
-            <a:r>
-              <a:rPr lang="ko-KR" altLang="en-US" sz="3200" b="1" spc="-300" dirty="0">
-                <a:ln>
-                  <a:solidFill>
-                    <a:schemeClr val="accent1">
-                      <a:shade val="50000"/>
-                      <a:alpha val="0"/>
-                    </a:schemeClr>
-                  </a:solidFill>
-                </a:ln>
-                <a:solidFill>
-                  <a:schemeClr val="bg1"/>
-                </a:solidFill>
-                <a:latin typeface="한컴 고딕" panose="02000500000000000000" pitchFamily="2" charset="-127"/>
-                <a:ea typeface="한컴 고딕" panose="02000500000000000000" pitchFamily="2" charset="-127"/>
-              </a:rPr>
-              <a:t>  </a:t>
-            </a:r>
-            <a:r>
-              <a:rPr lang="en-US" altLang="ko-KR" sz="3200" b="1" spc="-300" dirty="0">
-                <a:ln>
-                  <a:solidFill>
-                    <a:schemeClr val="accent1">
-                      <a:shade val="50000"/>
-                      <a:alpha val="0"/>
-                    </a:schemeClr>
-                  </a:solidFill>
-                </a:ln>
-                <a:solidFill>
-                  <a:schemeClr val="bg1"/>
-                </a:solidFill>
-                <a:latin typeface="한컴 고딕" panose="02000500000000000000" pitchFamily="2" charset="-127"/>
-                <a:ea typeface="한컴 고딕" panose="02000500000000000000" pitchFamily="2" charset="-127"/>
-              </a:rPr>
-              <a:t>X</a:t>
-            </a:r>
-          </a:p>
-          <a:p>
-            <a:endParaRPr lang="en-US" altLang="ko-KR" sz="1400" b="1" spc="-300" dirty="0">
+              <a:t>재 검색 기능 구현</a:t>
+            </a:r>
+            <a:endParaRPr lang="en-US" altLang="ko-KR" sz="3200" b="1" spc="-300" dirty="0">
               <a:ln>
                 <a:solidFill>
                   <a:schemeClr val="accent1">
@@ -7501,98 +7426,6 @@
               <a:latin typeface="한컴 고딕" panose="02000500000000000000" pitchFamily="2" charset="-127"/>
               <a:ea typeface="한컴 고딕" panose="02000500000000000000" pitchFamily="2" charset="-127"/>
             </a:endParaRPr>
-          </a:p>
-          <a:p>
-            <a:r>
-              <a:rPr lang="en-US" altLang="ko-KR" sz="3200" b="1" spc="-300" dirty="0">
-                <a:ln>
-                  <a:solidFill>
-                    <a:schemeClr val="accent1">
-                      <a:shade val="50000"/>
-                      <a:alpha val="0"/>
-                    </a:schemeClr>
-                  </a:solidFill>
-                </a:ln>
-                <a:solidFill>
-                  <a:schemeClr val="bg1"/>
-                </a:solidFill>
-                <a:latin typeface="한컴 고딕" panose="02000500000000000000" pitchFamily="2" charset="-127"/>
-                <a:ea typeface="한컴 고딕" panose="02000500000000000000" pitchFamily="2" charset="-127"/>
-              </a:rPr>
-              <a:t>    - </a:t>
-            </a:r>
-            <a:r>
-              <a:rPr lang="ko-KR" altLang="en-US" sz="3200" b="1" spc="-300" dirty="0">
-                <a:ln>
-                  <a:solidFill>
-                    <a:schemeClr val="accent1">
-                      <a:shade val="50000"/>
-                      <a:alpha val="0"/>
-                    </a:schemeClr>
-                  </a:solidFill>
-                </a:ln>
-                <a:solidFill>
-                  <a:schemeClr val="bg1"/>
-                </a:solidFill>
-                <a:latin typeface="한컴 고딕" panose="02000500000000000000" pitchFamily="2" charset="-127"/>
-                <a:ea typeface="한컴 고딕" panose="02000500000000000000" pitchFamily="2" charset="-127"/>
-              </a:rPr>
-              <a:t>지도 연동  </a:t>
-            </a:r>
-            <a:r>
-              <a:rPr lang="en-US" altLang="ko-KR" sz="3200" b="1" spc="-300" dirty="0">
-                <a:ln>
-                  <a:solidFill>
-                    <a:schemeClr val="accent1">
-                      <a:shade val="50000"/>
-                      <a:alpha val="0"/>
-                    </a:schemeClr>
-                  </a:solidFill>
-                </a:ln>
-                <a:solidFill>
-                  <a:schemeClr val="bg1"/>
-                </a:solidFill>
-                <a:latin typeface="한컴 고딕" panose="02000500000000000000" pitchFamily="2" charset="-127"/>
-                <a:ea typeface="한컴 고딕" panose="02000500000000000000" pitchFamily="2" charset="-127"/>
-              </a:rPr>
-              <a:t>-&gt; </a:t>
-            </a:r>
-            <a:r>
-              <a:rPr lang="ko-KR" altLang="en-US" sz="3200" b="1" spc="-300" dirty="0">
-                <a:ln>
-                  <a:solidFill>
-                    <a:schemeClr val="accent1">
-                      <a:shade val="50000"/>
-                      <a:alpha val="0"/>
-                    </a:schemeClr>
-                  </a:solidFill>
-                </a:ln>
-                <a:solidFill>
-                  <a:schemeClr val="bg1"/>
-                </a:solidFill>
-                <a:latin typeface="한컴 고딕" panose="02000500000000000000" pitchFamily="2" charset="-127"/>
-                <a:ea typeface="한컴 고딕" panose="02000500000000000000" pitchFamily="2" charset="-127"/>
-              </a:rPr>
-              <a:t>  </a:t>
-            </a:r>
-            <a:r>
-              <a:rPr lang="en-US" altLang="ko-KR" sz="3200" b="1" spc="-300" dirty="0">
-                <a:ln>
-                  <a:solidFill>
-                    <a:schemeClr val="accent1">
-                      <a:shade val="50000"/>
-                      <a:alpha val="0"/>
-                    </a:schemeClr>
-                  </a:solidFill>
-                </a:ln>
-                <a:solidFill>
-                  <a:schemeClr val="bg1"/>
-                </a:solidFill>
-                <a:latin typeface="한컴 고딕" panose="02000500000000000000" pitchFamily="2" charset="-127"/>
-                <a:ea typeface="한컴 고딕" panose="02000500000000000000" pitchFamily="2" charset="-127"/>
-              </a:rPr>
-              <a:t>X</a:t>
-            </a:r>
           </a:p>
         </p:txBody>
       </p:sp>
@@ -9029,44 +8862,18 @@
               <a:buChar char="-"/>
             </a:pPr>
             <a:r>
-              <a:rPr lang="ko-KR" altLang="en-US" dirty="0">
+              <a:rPr lang="ko-KR" altLang="en-US" strike="sngStrike" dirty="0">
                 <a:solidFill>
                   <a:schemeClr val="tx1"/>
                 </a:solidFill>
               </a:rPr>
               <a:t>이메일 연동</a:t>
             </a:r>
-            <a:endParaRPr lang="en-US" altLang="ko-KR" dirty="0">
+            <a:endParaRPr lang="en-US" altLang="ko-KR" strike="sngStrike" dirty="0">
               <a:solidFill>
                 <a:schemeClr val="tx1"/>
               </a:solidFill>
             </a:endParaRPr>
-          </a:p>
-          <a:p>
-            <a:r>
-              <a:rPr lang="en-US" altLang="ko-KR" dirty="0">
-                <a:solidFill>
-                  <a:schemeClr val="tx1"/>
-                </a:solidFill>
-              </a:rPr>
-              <a:t>   ( </a:t>
-            </a:r>
-            <a:r>
-              <a:rPr lang="ko-KR" altLang="en-US" dirty="0">
-                <a:solidFill>
-                  <a:schemeClr val="tx1"/>
-                </a:solidFill>
-              </a:rPr>
-              <a:t>보완 필요 </a:t>
-            </a:r>
-            <a:r>
-              <a:rPr lang="en-US" altLang="ko-KR" dirty="0">
-                <a:solidFill>
-                  <a:schemeClr val="tx1"/>
-                </a:solidFill>
-              </a:rPr>
-              <a:t>)</a:t>
-            </a:r>
           </a:p>
         </p:txBody>
       </p:sp>
@@ -9134,16 +8941,16 @@
               <a:buChar char="-"/>
             </a:pPr>
             <a:r>
-              <a:rPr lang="ko-KR" altLang="en-US" dirty="0">
-                <a:solidFill>
-                  <a:srgbClr val="FF0000"/>
+              <a:rPr lang="ko-KR" altLang="en-US" strike="sngStrike" dirty="0">
+                <a:solidFill>
+                  <a:schemeClr val="tx1"/>
                 </a:solidFill>
               </a:rPr>
               <a:t>중간 발표</a:t>
             </a:r>
-            <a:endParaRPr lang="en-US" altLang="ko-KR" dirty="0">
+            <a:endParaRPr lang="en-US" altLang="ko-KR" strike="sngStrike" dirty="0">
               <a:solidFill>
-                <a:srgbClr val="FF0000"/>
+                <a:schemeClr val="tx1"/>
               </a:solidFill>
             </a:endParaRPr>
           </a:p>
@@ -9152,32 +8959,32 @@
               <a:buFontTx/>
               <a:buChar char="-"/>
             </a:pPr>
-            <a:endParaRPr lang="en-US" altLang="ko-KR" dirty="0">
+            <a:endParaRPr lang="en-US" altLang="ko-KR" strike="sngStrike" dirty="0">
               <a:solidFill>
-                <a:schemeClr val="bg1"/>
+                <a:schemeClr val="tx1"/>
               </a:solidFill>
             </a:endParaRPr>
           </a:p>
           <a:p>
             <a:r>
-              <a:rPr lang="en-US" altLang="ko-KR" dirty="0">
-                <a:solidFill>
-                  <a:schemeClr val="bg1"/>
+              <a:rPr lang="en-US" altLang="ko-KR" strike="sngStrike" dirty="0">
+                <a:solidFill>
+                  <a:schemeClr val="tx1"/>
                 </a:solidFill>
               </a:rPr>
               <a:t>- </a:t>
             </a:r>
             <a:r>
-              <a:rPr lang="ko-KR" altLang="en-US" dirty="0">
-                <a:solidFill>
-                  <a:schemeClr val="bg1"/>
+              <a:rPr lang="ko-KR" altLang="en-US" strike="sngStrike" dirty="0">
+                <a:solidFill>
+                  <a:schemeClr val="tx1"/>
                 </a:solidFill>
               </a:rPr>
               <a:t>미비점 보완</a:t>
             </a:r>
-            <a:endParaRPr lang="en-US" altLang="ko-KR" dirty="0">
+            <a:endParaRPr lang="en-US" altLang="ko-KR" strike="sngStrike" dirty="0">
               <a:solidFill>
-                <a:schemeClr val="bg1"/>
+                <a:schemeClr val="tx1"/>
               </a:solidFill>
             </a:endParaRPr>
           </a:p>
@@ -9243,62 +9050,62 @@
           <a:lstStyle/>
           <a:p>
             <a:r>
-              <a:rPr lang="en-US" altLang="ko-KR" dirty="0">
-                <a:solidFill>
-                  <a:schemeClr val="bg1"/>
+              <a:rPr lang="en-US" altLang="ko-KR" strike="sngStrike" dirty="0">
+                <a:solidFill>
+                  <a:schemeClr val="tx1"/>
                 </a:solidFill>
               </a:rPr>
               <a:t>- </a:t>
             </a:r>
             <a:r>
-              <a:rPr lang="ko-KR" altLang="en-US" dirty="0" err="1">
-                <a:solidFill>
-                  <a:schemeClr val="bg1"/>
+              <a:rPr lang="ko-KR" altLang="en-US" strike="sngStrike" dirty="0" err="1">
+                <a:solidFill>
+                  <a:schemeClr val="tx1"/>
                 </a:solidFill>
               </a:rPr>
               <a:t>텔레그램</a:t>
             </a:r>
             <a:r>
-              <a:rPr lang="ko-KR" altLang="en-US" dirty="0">
-                <a:solidFill>
-                  <a:schemeClr val="bg1"/>
+              <a:rPr lang="ko-KR" altLang="en-US" strike="sngStrike" dirty="0">
+                <a:solidFill>
+                  <a:schemeClr val="tx1"/>
                 </a:solidFill>
               </a:rPr>
               <a:t> 구현</a:t>
             </a:r>
-            <a:endParaRPr lang="en-US" altLang="ko-KR" dirty="0">
+            <a:endParaRPr lang="en-US" altLang="ko-KR" strike="sngStrike" dirty="0">
               <a:solidFill>
-                <a:schemeClr val="bg1"/>
+                <a:schemeClr val="tx1"/>
               </a:solidFill>
             </a:endParaRPr>
           </a:p>
           <a:p>
-            <a:endParaRPr lang="en-US" altLang="ko-KR" dirty="0">
+            <a:endParaRPr lang="en-US" altLang="ko-KR" strike="sngStrike" dirty="0">
               <a:solidFill>
-                <a:srgbClr val="FF0000"/>
+                <a:schemeClr val="tx1"/>
               </a:solidFill>
             </a:endParaRPr>
           </a:p>
           <a:p>
             <a:r>
-              <a:rPr lang="en-US" altLang="ko-KR" dirty="0">
-                <a:solidFill>
-                  <a:schemeClr val="bg1"/>
+              <a:rPr lang="en-US" altLang="ko-KR" strike="sngStrike" dirty="0">
+                <a:solidFill>
+                  <a:schemeClr val="tx1"/>
                 </a:solidFill>
               </a:rPr>
               <a:t>- </a:t>
             </a:r>
             <a:r>
-              <a:rPr lang="ko-KR" altLang="en-US" dirty="0">
-                <a:solidFill>
-                  <a:schemeClr val="bg1"/>
+              <a:rPr lang="ko-KR" altLang="en-US" strike="sngStrike" dirty="0">
+                <a:solidFill>
+                  <a:schemeClr val="tx1"/>
                 </a:solidFill>
               </a:rPr>
               <a:t>지도 연동</a:t>
             </a:r>
-            <a:endParaRPr lang="en-US" altLang="ko-KR" dirty="0">
+            <a:endParaRPr lang="en-US" altLang="ko-KR" strike="sngStrike" dirty="0">
               <a:solidFill>
-                <a:schemeClr val="bg1"/>
+                <a:schemeClr val="tx1"/>
               </a:solidFill>
             </a:endParaRPr>
           </a:p>
@@ -9307,32 +9114,32 @@
               <a:buFontTx/>
               <a:buChar char="-"/>
             </a:pPr>
-            <a:endParaRPr lang="en-US" altLang="ko-KR" dirty="0">
+            <a:endParaRPr lang="en-US" altLang="ko-KR" strike="sngStrike" dirty="0">
               <a:solidFill>
-                <a:schemeClr val="bg1"/>
+                <a:schemeClr val="tx1"/>
               </a:solidFill>
             </a:endParaRPr>
           </a:p>
           <a:p>
             <a:r>
-              <a:rPr lang="en-US" altLang="ko-KR" dirty="0">
-                <a:solidFill>
-                  <a:schemeClr val="bg1"/>
+              <a:rPr lang="en-US" altLang="ko-KR" strike="sngStrike" dirty="0">
+                <a:solidFill>
+                  <a:schemeClr val="tx1"/>
                 </a:solidFill>
               </a:rPr>
               <a:t>- </a:t>
             </a:r>
             <a:r>
-              <a:rPr lang="ko-KR" altLang="en-US" dirty="0">
-                <a:solidFill>
-                  <a:schemeClr val="bg1"/>
+              <a:rPr lang="ko-KR" altLang="en-US" strike="sngStrike" dirty="0">
+                <a:solidFill>
+                  <a:schemeClr val="tx1"/>
                 </a:solidFill>
               </a:rPr>
               <a:t>추천 산길 기능</a:t>
             </a:r>
-            <a:endParaRPr lang="en-US" altLang="ko-KR" dirty="0">
+            <a:endParaRPr lang="en-US" altLang="ko-KR" strike="sngStrike" dirty="0">
               <a:solidFill>
-                <a:schemeClr val="bg1"/>
+                <a:schemeClr val="tx1"/>
               </a:solidFill>
             </a:endParaRPr>
           </a:p>
@@ -9497,24 +9304,24 @@
               <a:buChar char="-"/>
             </a:pPr>
             <a:r>
-              <a:rPr lang="en-US" altLang="ko-KR" dirty="0">
-                <a:solidFill>
-                  <a:schemeClr val="bg1"/>
+              <a:rPr lang="en-US" altLang="ko-KR" strike="sngStrike" dirty="0">
+                <a:solidFill>
+                  <a:schemeClr val="tx1"/>
                 </a:solidFill>
               </a:rPr>
               <a:t>C/C++</a:t>
             </a:r>
             <a:r>
-              <a:rPr lang="ko-KR" altLang="en-US" dirty="0">
-                <a:solidFill>
-                  <a:schemeClr val="bg1"/>
+              <a:rPr lang="ko-KR" altLang="en-US" strike="sngStrike" dirty="0">
+                <a:solidFill>
+                  <a:schemeClr val="tx1"/>
                 </a:solidFill>
               </a:rPr>
               <a:t> 연동</a:t>
             </a:r>
-            <a:endParaRPr lang="en-US" altLang="ko-KR" dirty="0">
+            <a:endParaRPr lang="en-US" altLang="ko-KR" strike="sngStrike" dirty="0">
               <a:solidFill>
-                <a:schemeClr val="bg1"/>
+                <a:schemeClr val="tx1"/>
               </a:solidFill>
             </a:endParaRPr>
           </a:p>
@@ -9523,9 +9330,9 @@
               <a:buFontTx/>
               <a:buChar char="-"/>
             </a:pPr>
-            <a:endParaRPr lang="en-US" altLang="ko-KR" dirty="0">
+            <a:endParaRPr lang="en-US" altLang="ko-KR" strike="sngStrike" dirty="0">
               <a:solidFill>
-                <a:schemeClr val="bg1"/>
+                <a:schemeClr val="tx1"/>
               </a:solidFill>
             </a:endParaRPr>
           </a:p>
@@ -9535,46 +9342,46 @@
               <a:buChar char="-"/>
             </a:pPr>
             <a:r>
-              <a:rPr lang="ko-KR" altLang="en-US" dirty="0">
-                <a:solidFill>
-                  <a:schemeClr val="bg1"/>
+              <a:rPr lang="ko-KR" altLang="en-US" strike="sngStrike" dirty="0">
+                <a:solidFill>
+                  <a:schemeClr val="tx1"/>
                 </a:solidFill>
               </a:rPr>
               <a:t>배포파일 작성</a:t>
             </a:r>
-            <a:endParaRPr lang="en-US" altLang="ko-KR" dirty="0">
+            <a:endParaRPr lang="en-US" altLang="ko-KR" strike="sngStrike" dirty="0">
               <a:solidFill>
-                <a:schemeClr val="bg1"/>
+                <a:schemeClr val="tx1"/>
               </a:solidFill>
             </a:endParaRPr>
           </a:p>
           <a:p>
-            <a:endParaRPr lang="en-US" altLang="ko-KR" dirty="0">
+            <a:endParaRPr lang="en-US" altLang="ko-KR" strike="sngStrike" dirty="0">
               <a:solidFill>
-                <a:srgbClr val="FF0000"/>
+                <a:schemeClr val="tx1"/>
               </a:solidFill>
             </a:endParaRPr>
           </a:p>
           <a:p>
             <a:r>
-              <a:rPr lang="en-US" altLang="ko-KR" dirty="0">
-                <a:solidFill>
-                  <a:srgbClr val="FF0000"/>
+              <a:rPr lang="en-US" altLang="ko-KR" strike="sngStrike" dirty="0">
+                <a:solidFill>
+                  <a:schemeClr val="tx1"/>
                 </a:solidFill>
               </a:rPr>
               <a:t>- </a:t>
             </a:r>
             <a:r>
-              <a:rPr lang="ko-KR" altLang="en-US" dirty="0">
-                <a:solidFill>
-                  <a:srgbClr val="FF0000"/>
+              <a:rPr lang="ko-KR" altLang="en-US" strike="sngStrike" dirty="0">
+                <a:solidFill>
+                  <a:schemeClr val="tx1"/>
                 </a:solidFill>
               </a:rPr>
               <a:t>최종 발표</a:t>
             </a:r>
-            <a:endParaRPr lang="en-US" altLang="ko-KR" dirty="0">
+            <a:endParaRPr lang="en-US" altLang="ko-KR" strike="sngStrike" dirty="0">
               <a:solidFill>
-                <a:srgbClr val="FF0000"/>
+                <a:schemeClr val="tx1"/>
               </a:solidFill>
             </a:endParaRPr>
           </a:p>
@@ -9584,6 +9391,614 @@
     <p:extLst>
       <p:ext uri="{BB962C8B-B14F-4D97-AF65-F5344CB8AC3E}">
         <p14:creationId xmlns:p14="http://schemas.microsoft.com/office/powerpoint/2010/main" val="919944713"/>
+      </p:ext>
+    </p:extLst>
+  </p:cSld>
+  <p:clrMapOvr>
+    <a:masterClrMapping/>
+  </p:clrMapOvr>
+</p:sld>
+</file>
+
+<file path=ppt/slides/slide5.xml><?xml version="1.0" encoding="utf-8"?>
+<p:sld xmlns:a="http://schemas.openxmlformats.org/drawingml/2006/main" xmlns:r="http://schemas.openxmlformats.org/officeDocument/2006/relationships" xmlns:p="http://schemas.openxmlformats.org/presentationml/2006/main">
+  <p:cSld>
+    <p:spTree>
+      <p:nvGrpSpPr>
+        <p:cNvPr id="1" name=""/>
+        <p:cNvGrpSpPr/>
+        <p:nvPr/>
+      </p:nvGrpSpPr>
+      <p:grpSpPr>
+        <a:xfrm>
+          <a:off x="0" y="0"/>
+          <a:ext cx="0" cy="0"/>
+          <a:chOff x="0" y="0"/>
+          <a:chExt cx="0" cy="0"/>
+        </a:xfrm>
+      </p:grpSpPr>
+      <p:sp>
+        <p:nvSpPr>
+          <p:cNvPr id="4" name="직사각형 3"/>
+          <p:cNvSpPr/>
+          <p:nvPr/>
+        </p:nvSpPr>
+        <p:spPr>
+          <a:xfrm>
+            <a:off x="0" y="-27710"/>
+            <a:ext cx="12192000" cy="6858000"/>
+          </a:xfrm>
+          <a:prstGeom prst="rect">
+            <a:avLst/>
+          </a:prstGeom>
+          <a:gradFill>
+            <a:gsLst>
+              <a:gs pos="13000">
+                <a:srgbClr val="33797F"/>
+              </a:gs>
+              <a:gs pos="83000">
+                <a:srgbClr val="EBB587"/>
+              </a:gs>
+            </a:gsLst>
+            <a:lin ang="5400000" scaled="1"/>
+          </a:gradFill>
+          <a:ln>
+            <a:noFill/>
+          </a:ln>
+        </p:spPr>
+        <p:style>
+          <a:lnRef idx="2">
+            <a:schemeClr val="accent1">
+              <a:shade val="50000"/>
+            </a:schemeClr>
+          </a:lnRef>
+          <a:fillRef idx="1">
+            <a:schemeClr val="accent1"/>
+          </a:fillRef>
+          <a:effectRef idx="0">
+            <a:schemeClr val="accent1"/>
+          </a:effectRef>
+          <a:fontRef idx="minor">
+            <a:schemeClr val="lt1"/>
+          </a:fontRef>
+        </p:style>
+        <p:txBody>
+          <a:bodyPr rtlCol="0" anchor="ctr"/>
+          <a:lstStyle/>
+          <a:p>
+            <a:pPr algn="ctr"/>
+            <a:endParaRPr lang="ko-KR" altLang="en-US"/>
+          </a:p>
+        </p:txBody>
+      </p:sp>
+      <p:sp>
+        <p:nvSpPr>
+          <p:cNvPr id="12" name="이등변 삼각형 11"/>
+          <p:cNvSpPr/>
+          <p:nvPr/>
+        </p:nvSpPr>
+        <p:spPr>
+          <a:xfrm>
+            <a:off x="7810501" y="2318368"/>
+            <a:ext cx="8391414" cy="4539631"/>
+          </a:xfrm>
+          <a:prstGeom prst="triangle">
+            <a:avLst/>
+          </a:prstGeom>
+          <a:gradFill>
+            <a:gsLst>
+              <a:gs pos="14000">
+                <a:srgbClr val="3C7E7C"/>
+              </a:gs>
+              <a:gs pos="100000">
+                <a:srgbClr val="00323B"/>
+              </a:gs>
+            </a:gsLst>
+            <a:lin ang="5400000" scaled="1"/>
+          </a:gradFill>
+          <a:ln>
+            <a:noFill/>
+          </a:ln>
+        </p:spPr>
+        <p:style>
+          <a:lnRef idx="2">
+            <a:schemeClr val="accent1">
+              <a:shade val="50000"/>
+            </a:schemeClr>
+          </a:lnRef>
+          <a:fillRef idx="1">
+            <a:schemeClr val="accent1"/>
+          </a:fillRef>
+          <a:effectRef idx="0">
+            <a:schemeClr val="accent1"/>
+          </a:effectRef>
+          <a:fontRef idx="minor">
+            <a:schemeClr val="lt1"/>
+          </a:fontRef>
+        </p:style>
+        <p:txBody>
+          <a:bodyPr rtlCol="0" anchor="ctr"/>
+          <a:lstStyle/>
+          <a:p>
+            <a:pPr algn="ctr"/>
+            <a:endParaRPr lang="ko-KR" altLang="en-US"/>
+          </a:p>
+        </p:txBody>
+      </p:sp>
+      <p:sp>
+        <p:nvSpPr>
+          <p:cNvPr id="15" name="이등변 삼각형 14"/>
+          <p:cNvSpPr/>
+          <p:nvPr/>
+        </p:nvSpPr>
+        <p:spPr>
+          <a:xfrm>
+            <a:off x="3609472" y="4281714"/>
+            <a:ext cx="4444378" cy="2576286"/>
+          </a:xfrm>
+          <a:prstGeom prst="triangle">
+            <a:avLst/>
+          </a:prstGeom>
+          <a:gradFill>
+            <a:gsLst>
+              <a:gs pos="49000">
+                <a:srgbClr val="C9A685"/>
+              </a:gs>
+              <a:gs pos="100000">
+                <a:srgbClr val="ECA97E">
+                  <a:alpha val="90000"/>
+                </a:srgbClr>
+              </a:gs>
+            </a:gsLst>
+            <a:lin ang="5400000" scaled="1"/>
+          </a:gradFill>
+          <a:ln>
+            <a:noFill/>
+          </a:ln>
+        </p:spPr>
+        <p:style>
+          <a:lnRef idx="2">
+            <a:schemeClr val="accent1">
+              <a:shade val="50000"/>
+            </a:schemeClr>
+          </a:lnRef>
+          <a:fillRef idx="1">
+            <a:schemeClr val="accent1"/>
+          </a:fillRef>
+          <a:effectRef idx="0">
+            <a:schemeClr val="accent1"/>
+          </a:effectRef>
+          <a:fontRef idx="minor">
+            <a:schemeClr val="lt1"/>
+          </a:fontRef>
+        </p:style>
+        <p:txBody>
+          <a:bodyPr rtlCol="0" anchor="ctr"/>
+          <a:lstStyle/>
+          <a:p>
+            <a:pPr algn="ctr"/>
+            <a:endParaRPr lang="ko-KR" altLang="en-US"/>
+          </a:p>
+        </p:txBody>
+      </p:sp>
+      <p:sp>
+        <p:nvSpPr>
+          <p:cNvPr id="16" name="이등변 삼각형 15"/>
+          <p:cNvSpPr/>
+          <p:nvPr/>
+        </p:nvSpPr>
+        <p:spPr>
+          <a:xfrm>
+            <a:off x="5293129" y="4049487"/>
+            <a:ext cx="5020178" cy="2808514"/>
+          </a:xfrm>
+          <a:prstGeom prst="triangle">
+            <a:avLst/>
+          </a:prstGeom>
+          <a:gradFill>
+            <a:gsLst>
+              <a:gs pos="49000">
+                <a:srgbClr val="C9A685"/>
+              </a:gs>
+              <a:gs pos="100000">
+                <a:srgbClr val="ECA97E">
+                  <a:alpha val="90000"/>
+                </a:srgbClr>
+              </a:gs>
+            </a:gsLst>
+            <a:lin ang="5400000" scaled="1"/>
+          </a:gradFill>
+          <a:ln>
+            <a:noFill/>
+          </a:ln>
+        </p:spPr>
+        <p:style>
+          <a:lnRef idx="2">
+            <a:schemeClr val="accent1">
+              <a:shade val="50000"/>
+            </a:schemeClr>
+          </a:lnRef>
+          <a:fillRef idx="1">
+            <a:schemeClr val="accent1"/>
+          </a:fillRef>
+          <a:effectRef idx="0">
+            <a:schemeClr val="accent1"/>
+          </a:effectRef>
+          <a:fontRef idx="minor">
+            <a:schemeClr val="lt1"/>
+          </a:fontRef>
+        </p:style>
+        <p:txBody>
+          <a:bodyPr rtlCol="0" anchor="ctr"/>
+          <a:lstStyle/>
+          <a:p>
+            <a:pPr algn="ctr"/>
+            <a:endParaRPr lang="ko-KR" altLang="en-US"/>
+          </a:p>
+        </p:txBody>
+      </p:sp>
+      <p:sp>
+        <p:nvSpPr>
+          <p:cNvPr id="17" name="이등변 삼각형 16"/>
+          <p:cNvSpPr/>
+          <p:nvPr/>
+        </p:nvSpPr>
+        <p:spPr>
+          <a:xfrm>
+            <a:off x="2363661" y="5078946"/>
+            <a:ext cx="4018090" cy="1779054"/>
+          </a:xfrm>
+          <a:prstGeom prst="triangle">
+            <a:avLst/>
+          </a:prstGeom>
+          <a:gradFill>
+            <a:gsLst>
+              <a:gs pos="49000">
+                <a:srgbClr val="C9A685"/>
+              </a:gs>
+              <a:gs pos="100000">
+                <a:srgbClr val="ECA97E">
+                  <a:alpha val="90000"/>
+                </a:srgbClr>
+              </a:gs>
+            </a:gsLst>
+            <a:lin ang="5400000" scaled="1"/>
+          </a:gradFill>
+          <a:ln>
+            <a:noFill/>
+          </a:ln>
+        </p:spPr>
+        <p:style>
+          <a:lnRef idx="2">
+            <a:schemeClr val="accent1">
+              <a:shade val="50000"/>
+            </a:schemeClr>
+          </a:lnRef>
+          <a:fillRef idx="1">
+            <a:schemeClr val="accent1"/>
+          </a:fillRef>
+          <a:effectRef idx="0">
+            <a:schemeClr val="accent1"/>
+          </a:effectRef>
+          <a:fontRef idx="minor">
+            <a:schemeClr val="lt1"/>
+          </a:fontRef>
+        </p:style>
+        <p:txBody>
+          <a:bodyPr rtlCol="0" anchor="ctr"/>
+          <a:lstStyle/>
+          <a:p>
+            <a:pPr algn="ctr"/>
+            <a:endParaRPr lang="ko-KR" altLang="en-US"/>
+          </a:p>
+        </p:txBody>
+      </p:sp>
+      <p:sp>
+        <p:nvSpPr>
+          <p:cNvPr id="10" name="이등변 삼각형 9"/>
+          <p:cNvSpPr/>
+          <p:nvPr/>
+        </p:nvSpPr>
+        <p:spPr>
+          <a:xfrm>
+            <a:off x="4884366" y="5399314"/>
+            <a:ext cx="2872066" cy="1458686"/>
+          </a:xfrm>
+          <a:prstGeom prst="triangle">
+            <a:avLst/>
+          </a:prstGeom>
+          <a:gradFill>
+            <a:gsLst>
+              <a:gs pos="14000">
+                <a:srgbClr val="9B9577"/>
+              </a:gs>
+              <a:gs pos="100000">
+                <a:srgbClr val="507166"/>
+              </a:gs>
+            </a:gsLst>
+            <a:lin ang="5400000" scaled="1"/>
+          </a:gradFill>
+          <a:ln>
+            <a:noFill/>
+          </a:ln>
+        </p:spPr>
+        <p:style>
+          <a:lnRef idx="2">
+            <a:schemeClr val="accent1">
+              <a:shade val="50000"/>
+            </a:schemeClr>
+          </a:lnRef>
+          <a:fillRef idx="1">
+            <a:schemeClr val="accent1"/>
+          </a:fillRef>
+          <a:effectRef idx="0">
+            <a:schemeClr val="accent1"/>
+          </a:effectRef>
+          <a:fontRef idx="minor">
+            <a:schemeClr val="lt1"/>
+          </a:fontRef>
+        </p:style>
+        <p:txBody>
+          <a:bodyPr rtlCol="0" anchor="ctr"/>
+          <a:lstStyle/>
+          <a:p>
+            <a:pPr algn="ctr"/>
+            <a:endParaRPr lang="ko-KR" altLang="en-US"/>
+          </a:p>
+        </p:txBody>
+      </p:sp>
+      <p:sp>
+        <p:nvSpPr>
+          <p:cNvPr id="11" name="이등변 삼각형 10"/>
+          <p:cNvSpPr/>
+          <p:nvPr/>
+        </p:nvSpPr>
+        <p:spPr>
+          <a:xfrm>
+            <a:off x="5695404" y="4136571"/>
+            <a:ext cx="5457371" cy="2721430"/>
+          </a:xfrm>
+          <a:prstGeom prst="triangle">
+            <a:avLst/>
+          </a:prstGeom>
+          <a:gradFill>
+            <a:gsLst>
+              <a:gs pos="14000">
+                <a:srgbClr val="96947F"/>
+              </a:gs>
+              <a:gs pos="100000">
+                <a:srgbClr val="4C635B"/>
+              </a:gs>
+            </a:gsLst>
+            <a:lin ang="5400000" scaled="1"/>
+          </a:gradFill>
+          <a:ln>
+            <a:noFill/>
+          </a:ln>
+        </p:spPr>
+        <p:style>
+          <a:lnRef idx="2">
+            <a:schemeClr val="accent1">
+              <a:shade val="50000"/>
+            </a:schemeClr>
+          </a:lnRef>
+          <a:fillRef idx="1">
+            <a:schemeClr val="accent1"/>
+          </a:fillRef>
+          <a:effectRef idx="0">
+            <a:schemeClr val="accent1"/>
+          </a:effectRef>
+          <a:fontRef idx="minor">
+            <a:schemeClr val="lt1"/>
+          </a:fontRef>
+        </p:style>
+        <p:txBody>
+          <a:bodyPr rtlCol="0" anchor="ctr"/>
+          <a:lstStyle/>
+          <a:p>
+            <a:pPr algn="ctr"/>
+            <a:endParaRPr lang="ko-KR" altLang="en-US"/>
+          </a:p>
+        </p:txBody>
+      </p:sp>
+      <p:sp>
+        <p:nvSpPr>
+          <p:cNvPr id="13" name="이등변 삼각형 12"/>
+          <p:cNvSpPr/>
+          <p:nvPr/>
+        </p:nvSpPr>
+        <p:spPr>
+          <a:xfrm>
+            <a:off x="7367503" y="3265715"/>
+            <a:ext cx="6791493" cy="3592286"/>
+          </a:xfrm>
+          <a:prstGeom prst="triangle">
+            <a:avLst/>
+          </a:prstGeom>
+          <a:gradFill>
+            <a:gsLst>
+              <a:gs pos="46000">
+                <a:srgbClr val="283744"/>
+              </a:gs>
+              <a:gs pos="100000">
+                <a:srgbClr val="15292E"/>
+              </a:gs>
+            </a:gsLst>
+            <a:lin ang="5400000" scaled="1"/>
+          </a:gradFill>
+          <a:ln>
+            <a:noFill/>
+          </a:ln>
+        </p:spPr>
+        <p:style>
+          <a:lnRef idx="2">
+            <a:schemeClr val="accent1">
+              <a:shade val="50000"/>
+            </a:schemeClr>
+          </a:lnRef>
+          <a:fillRef idx="1">
+            <a:schemeClr val="accent1"/>
+          </a:fillRef>
+          <a:effectRef idx="0">
+            <a:schemeClr val="accent1"/>
+          </a:effectRef>
+          <a:fontRef idx="minor">
+            <a:schemeClr val="lt1"/>
+          </a:fontRef>
+        </p:style>
+        <p:txBody>
+          <a:bodyPr rtlCol="0" anchor="ctr"/>
+          <a:lstStyle/>
+          <a:p>
+            <a:pPr algn="ctr"/>
+            <a:endParaRPr lang="ko-KR" altLang="en-US"/>
+          </a:p>
+        </p:txBody>
+      </p:sp>
+      <p:sp>
+        <p:nvSpPr>
+          <p:cNvPr id="21" name="TextBox 20"/>
+          <p:cNvSpPr txBox="1"/>
+          <p:nvPr/>
+        </p:nvSpPr>
+        <p:spPr>
+          <a:xfrm>
+            <a:off x="296423" y="247802"/>
+            <a:ext cx="2122119" cy="584775"/>
+          </a:xfrm>
+          <a:prstGeom prst="rect">
+            <a:avLst/>
+          </a:prstGeom>
+          <a:noFill/>
+        </p:spPr>
+        <p:txBody>
+          <a:bodyPr wrap="none" rtlCol="0">
+            <a:spAutoFit/>
+          </a:bodyPr>
+          <a:lstStyle/>
+          <a:p>
+            <a:r>
+              <a:rPr lang="en-US" altLang="ko-KR" sz="3200" spc="-300" dirty="0" err="1">
+                <a:ln>
+                  <a:solidFill>
+                    <a:schemeClr val="accent1">
+                      <a:shade val="50000"/>
+                      <a:alpha val="0"/>
+                    </a:schemeClr>
+                  </a:solidFill>
+                </a:ln>
+                <a:solidFill>
+                  <a:schemeClr val="bg1"/>
+                </a:solidFill>
+                <a:latin typeface="Orator Std" panose="020D0509020203030204" pitchFamily="49" charset="0"/>
+              </a:rPr>
+              <a:t>Github</a:t>
+            </a:r>
+            <a:r>
+              <a:rPr lang="en-US" altLang="ko-KR" sz="3200" spc="-300" dirty="0">
+                <a:ln>
+                  <a:solidFill>
+                    <a:schemeClr val="accent1">
+                      <a:shade val="50000"/>
+                      <a:alpha val="0"/>
+                    </a:schemeClr>
+                  </a:solidFill>
+                </a:ln>
+                <a:solidFill>
+                  <a:schemeClr val="bg1"/>
+                </a:solidFill>
+                <a:latin typeface="Orator Std" panose="020D0509020203030204" pitchFamily="49" charset="0"/>
+              </a:rPr>
+              <a:t> Insights</a:t>
+            </a:r>
+            <a:endParaRPr lang="ko-KR" altLang="en-US" sz="3200" spc="-300" dirty="0">
+              <a:ln>
+                <a:solidFill>
+                  <a:schemeClr val="accent1">
+                    <a:shade val="50000"/>
+                    <a:alpha val="0"/>
+                  </a:schemeClr>
+                </a:solidFill>
+              </a:ln>
+              <a:solidFill>
+                <a:schemeClr val="bg1"/>
+              </a:solidFill>
+              <a:latin typeface="Orator Std" panose="020D0509020203030204" pitchFamily="49" charset="0"/>
+            </a:endParaRPr>
+          </a:p>
+        </p:txBody>
+      </p:sp>
+      <p:cxnSp>
+        <p:nvCxnSpPr>
+          <p:cNvPr id="6" name="직선 연결선 5"/>
+          <p:cNvCxnSpPr>
+            <a:cxnSpLocks/>
+          </p:cNvCxnSpPr>
+          <p:nvPr/>
+        </p:nvCxnSpPr>
+        <p:spPr>
+          <a:xfrm>
+            <a:off x="296423" y="832577"/>
+            <a:ext cx="1296381" cy="0"/>
+          </a:xfrm>
+          <a:prstGeom prst="line">
+            <a:avLst/>
+          </a:prstGeom>
+          <a:ln w="3175">
+            <a:solidFill>
+              <a:schemeClr val="bg1"/>
+            </a:solidFill>
+          </a:ln>
+        </p:spPr>
+        <p:style>
+          <a:lnRef idx="1">
+            <a:schemeClr val="accent1"/>
+          </a:lnRef>
+          <a:fillRef idx="0">
+            <a:schemeClr val="accent1"/>
+          </a:fillRef>
+          <a:effectRef idx="0">
+            <a:schemeClr val="accent1"/>
+          </a:effectRef>
+          <a:fontRef idx="minor">
+            <a:schemeClr val="tx1"/>
+          </a:fontRef>
+        </p:style>
+      </p:cxnSp>
+      <p:pic>
+        <p:nvPicPr>
+          <p:cNvPr id="3" name="그림 2">
+            <a:extLst>
+              <a:ext uri="{FF2B5EF4-FFF2-40B4-BE49-F238E27FC236}">
+                <a16:creationId xmlns:a16="http://schemas.microsoft.com/office/drawing/2014/main" id="{6C2DAD4A-22FC-44B9-BA5D-0628FEFE41B5}"/>
+              </a:ext>
+            </a:extLst>
+          </p:cNvPr>
+          <p:cNvPicPr>
+            <a:picLocks noChangeAspect="1"/>
+          </p:cNvPicPr>
+          <p:nvPr/>
+        </p:nvPicPr>
+        <p:blipFill>
+          <a:blip r:embed="rId2"/>
+          <a:stretch>
+            <a:fillRect/>
+          </a:stretch>
+        </p:blipFill>
+        <p:spPr>
+          <a:xfrm>
+            <a:off x="1652587" y="1633537"/>
+            <a:ext cx="8886825" cy="3590925"/>
+          </a:xfrm>
+          <a:prstGeom prst="rect">
+            <a:avLst/>
+          </a:prstGeom>
+        </p:spPr>
+      </p:pic>
+    </p:spTree>
+    <p:extLst>
+      <p:ext uri="{BB962C8B-B14F-4D97-AF65-F5344CB8AC3E}">
+        <p14:creationId xmlns:p14="http://schemas.microsoft.com/office/powerpoint/2010/main" val="1905952626"/>
       </p:ext>
     </p:extLst>
   </p:cSld>
